--- a/CV/career fair.pptx
+++ b/CV/career fair.pptx
@@ -2992,6 +2992,64 @@
           <a:chExt cx="0" cy="0"/>
         </a:xfrm>
       </p:grpSpPr>
+      <p:graphicFrame>
+        <p:nvGraphicFramePr>
+          <p:cNvPr id="18" name="Table 17"/>
+          <p:cNvGraphicFramePr>
+            <a:graphicFrameLocks noGrp="1"/>
+          </p:cNvGraphicFramePr>
+          <p:nvPr>
+            <p:extLst>
+              <p:ext uri="{D42A27DB-BD31-4B8C-83A1-F6EECF244321}">
+                <p14:modId xmlns:p14="http://schemas.microsoft.com/office/powerpoint/2010/main" val="1857160705"/>
+              </p:ext>
+            </p:extLst>
+          </p:nvPr>
+        </p:nvGraphicFramePr>
+        <p:xfrm>
+          <a:off x="188912" y="8376865"/>
+          <a:ext cx="6480175" cy="589123"/>
+        </p:xfrm>
+        <a:graphic>
+          <a:graphicData uri="http://schemas.openxmlformats.org/drawingml/2006/table">
+            <a:tbl>
+              <a:tblPr>
+                <a:tableStyleId>{5940675A-B579-460E-94D1-54222C63F5DA}</a:tableStyleId>
+              </a:tblPr>
+              <a:tblGrid>
+                <a:gridCol w="6480175">
+                  <a:extLst>
+                    <a:ext uri="{9D8B030D-6E8A-4147-A177-3AD203B41FA5}">
+                      <a16:colId xmlns:a16="http://schemas.microsoft.com/office/drawing/2014/main" val="441040355"/>
+                    </a:ext>
+                  </a:extLst>
+                </a:gridCol>
+              </a:tblGrid>
+              <a:tr h="589123">
+                <a:tc>
+                  <a:txBody>
+                    <a:bodyPr/>
+                    <a:lstStyle/>
+                    <a:p>
+                      <a:pPr marL="117475" indent="0" algn="l">
+                        <a:buFont typeface="Arial" panose="020B0604020202020204" pitchFamily="34" charset="0"/>
+                        <a:buNone/>
+                      </a:pPr>
+                      <a:endParaRPr lang="en-CA" dirty="0" smtClean="0"/>
+                    </a:p>
+                  </a:txBody>
+                  <a:tcPr anchor="b"/>
+                </a:tc>
+                <a:extLst>
+                  <a:ext uri="{0D108BD9-81ED-4DB2-BD59-A6C34878D82A}">
+                    <a16:rowId xmlns:a16="http://schemas.microsoft.com/office/drawing/2014/main" val="2156703344"/>
+                  </a:ext>
+                </a:extLst>
+              </a:tr>
+            </a:tbl>
+          </a:graphicData>
+        </a:graphic>
+      </p:graphicFrame>
       <p:sp>
         <p:nvSpPr>
           <p:cNvPr id="4" name="Rectangle 3"/>
@@ -3047,7 +3105,7 @@
         </p:nvSpPr>
         <p:spPr>
           <a:xfrm>
-            <a:off x="-5341663" y="1120140"/>
+            <a:off x="253005" y="8517537"/>
             <a:ext cx="3573863" cy="307777"/>
           </a:xfrm>
           <a:prstGeom prst="rect">
@@ -3083,7 +3141,7 @@
         </p:nvSpPr>
         <p:spPr>
           <a:xfrm>
-            <a:off x="-4415690" y="1681876"/>
+            <a:off x="4089840" y="8517536"/>
             <a:ext cx="2316275" cy="307777"/>
           </a:xfrm>
           <a:prstGeom prst="rect">
@@ -3182,20 +3240,20 @@
           <p:nvPr>
             <p:extLst>
               <p:ext uri="{D42A27DB-BD31-4B8C-83A1-F6EECF244321}">
-                <p14:modId xmlns:p14="http://schemas.microsoft.com/office/powerpoint/2010/main" val="1657539516"/>
+                <p14:modId xmlns:p14="http://schemas.microsoft.com/office/powerpoint/2010/main" val="2508523211"/>
               </p:ext>
             </p:extLst>
           </p:nvPr>
         </p:nvGraphicFramePr>
         <p:xfrm>
-          <a:off x="2039937" y="1681876"/>
+          <a:off x="2039937" y="1561443"/>
           <a:ext cx="4629150" cy="3431740"/>
         </p:xfrm>
         <a:graphic>
           <a:graphicData uri="http://schemas.openxmlformats.org/drawingml/2006/table">
             <a:tbl>
               <a:tblPr>
-                <a:tableStyleId>{7E9639D4-E3E2-4D34-9284-5A2195B3D0D7}</a:tableStyleId>
+                <a:tableStyleId>{793D81CF-94F2-401A-BA57-92F5A7B2D0C5}</a:tableStyleId>
               </a:tblPr>
               <a:tblGrid>
                 <a:gridCol w="1703070">
@@ -3219,14 +3277,23 @@
                     <a:bodyPr/>
                     <a:lstStyle/>
                     <a:p>
+                      <a:pPr algn="r"/>
                       <a:r>
                         <a:rPr lang="en-CA" dirty="0" smtClean="0"/>
-                        <a:t>APR 2018 - Present</a:t>
+                        <a:t>APR 2018 - </a:t>
+                      </a:r>
+                      <a:r>
+                        <a:rPr lang="en-CA" dirty="0" smtClean="0"/>
+                        <a:t>PRESENT</a:t>
                       </a:r>
                       <a:endParaRPr lang="en-CA" dirty="0"/>
                     </a:p>
                   </a:txBody>
-                  <a:tcPr anchor="b"/>
+                  <a:tcPr anchor="b">
+                    <a:lnB w="12700" cmpd="sng">
+                      <a:noFill/>
+                    </a:lnB>
+                  </a:tcPr>
                 </a:tc>
                 <a:tc>
                   <a:txBody>
@@ -3240,7 +3307,11 @@
                       <a:endParaRPr lang="en-CA" b="1" dirty="0"/>
                     </a:p>
                   </a:txBody>
-                  <a:tcPr anchor="b"/>
+                  <a:tcPr anchor="b">
+                    <a:lnB w="12700" cmpd="sng">
+                      <a:noFill/>
+                    </a:lnB>
+                  </a:tcPr>
                 </a:tc>
                 <a:extLst>
                   <a:ext uri="{0D108BD9-81ED-4DB2-BD59-A6C34878D82A}">
@@ -3254,10 +3325,17 @@
                     <a:bodyPr/>
                     <a:lstStyle/>
                     <a:p>
-                      <a:endParaRPr lang="en-CA"/>
+                      <a:endParaRPr lang="en-CA" dirty="0"/>
                     </a:p>
                   </a:txBody>
-                  <a:tcPr/>
+                  <a:tcPr>
+                    <a:lnT w="12700" cmpd="sng">
+                      <a:noFill/>
+                    </a:lnT>
+                    <a:lnB w="12700" cmpd="sng">
+                      <a:noFill/>
+                    </a:lnB>
+                  </a:tcPr>
                 </a:tc>
                 <a:tc>
                   <a:txBody>
@@ -3290,7 +3368,14 @@
                       </a:r>
                     </a:p>
                   </a:txBody>
-                  <a:tcPr anchor="ctr"/>
+                  <a:tcPr anchor="ctr">
+                    <a:lnT w="12700" cmpd="sng">
+                      <a:noFill/>
+                    </a:lnT>
+                    <a:lnB w="12700" cmpd="sng">
+                      <a:noFill/>
+                    </a:lnB>
+                  </a:tcPr>
                 </a:tc>
                 <a:extLst>
                   <a:ext uri="{0D108BD9-81ED-4DB2-BD59-A6C34878D82A}">
@@ -3307,7 +3392,11 @@
                       <a:endParaRPr lang="en-CA" dirty="0"/>
                     </a:p>
                   </a:txBody>
-                  <a:tcPr/>
+                  <a:tcPr>
+                    <a:lnT w="12700" cmpd="sng">
+                      <a:noFill/>
+                    </a:lnT>
+                  </a:tcPr>
                 </a:tc>
                 <a:tc>
                   <a:txBody>
@@ -3349,7 +3438,11 @@
                       <a:endParaRPr lang="en-CA" dirty="0"/>
                     </a:p>
                   </a:txBody>
-                  <a:tcPr anchor="ctr"/>
+                  <a:tcPr anchor="ctr">
+                    <a:lnT w="12700" cmpd="sng">
+                      <a:noFill/>
+                    </a:lnT>
+                  </a:tcPr>
                 </a:tc>
                 <a:extLst>
                   <a:ext uri="{0D108BD9-81ED-4DB2-BD59-A6C34878D82A}">
@@ -3363,6 +3456,7 @@
                     <a:bodyPr/>
                     <a:lstStyle/>
                     <a:p>
+                      <a:pPr algn="r"/>
                       <a:r>
                         <a:rPr lang="en-CA" dirty="0" smtClean="0"/>
                         <a:t>FEB 2017 – AUG</a:t>
@@ -3374,7 +3468,11 @@
                       <a:endParaRPr lang="en-CA" dirty="0"/>
                     </a:p>
                   </a:txBody>
-                  <a:tcPr anchor="b"/>
+                  <a:tcPr anchor="b">
+                    <a:lnB w="12700" cmpd="sng">
+                      <a:noFill/>
+                    </a:lnB>
+                  </a:tcPr>
                 </a:tc>
                 <a:tc>
                   <a:txBody>
@@ -3392,7 +3490,11 @@
                       <a:endParaRPr lang="en-CA" b="1" dirty="0"/>
                     </a:p>
                   </a:txBody>
-                  <a:tcPr anchor="b"/>
+                  <a:tcPr anchor="b">
+                    <a:lnB w="12700" cmpd="sng">
+                      <a:noFill/>
+                    </a:lnB>
+                  </a:tcPr>
                 </a:tc>
                 <a:extLst>
                   <a:ext uri="{0D108BD9-81ED-4DB2-BD59-A6C34878D82A}">
@@ -3409,7 +3511,14 @@
                       <a:endParaRPr lang="en-CA" dirty="0"/>
                     </a:p>
                   </a:txBody>
-                  <a:tcPr/>
+                  <a:tcPr>
+                    <a:lnT w="12700" cmpd="sng">
+                      <a:noFill/>
+                    </a:lnT>
+                    <a:lnB w="12700" cmpd="sng">
+                      <a:noFill/>
+                    </a:lnB>
+                  </a:tcPr>
                 </a:tc>
                 <a:tc>
                   <a:txBody>
@@ -3433,7 +3542,14 @@
                       <a:endParaRPr lang="en-CA" dirty="0"/>
                     </a:p>
                   </a:txBody>
-                  <a:tcPr anchor="ctr"/>
+                  <a:tcPr anchor="ctr">
+                    <a:lnT w="12700" cmpd="sng">
+                      <a:noFill/>
+                    </a:lnT>
+                    <a:lnB w="12700" cmpd="sng">
+                      <a:noFill/>
+                    </a:lnB>
+                  </a:tcPr>
                 </a:tc>
                 <a:extLst>
                   <a:ext uri="{0D108BD9-81ED-4DB2-BD59-A6C34878D82A}">
@@ -3450,7 +3566,11 @@
                       <a:endParaRPr lang="en-CA" dirty="0"/>
                     </a:p>
                   </a:txBody>
-                  <a:tcPr/>
+                  <a:tcPr>
+                    <a:lnT w="12700" cmpd="sng">
+                      <a:noFill/>
+                    </a:lnT>
+                  </a:tcPr>
                 </a:tc>
                 <a:tc>
                   <a:txBody>
@@ -3488,7 +3608,11 @@
                       <a:endParaRPr lang="en-CA" dirty="0"/>
                     </a:p>
                   </a:txBody>
-                  <a:tcPr anchor="ctr"/>
+                  <a:tcPr anchor="ctr">
+                    <a:lnT w="12700" cmpd="sng">
+                      <a:noFill/>
+                    </a:lnT>
+                  </a:tcPr>
                 </a:tc>
                 <a:extLst>
                   <a:ext uri="{0D108BD9-81ED-4DB2-BD59-A6C34878D82A}">
@@ -3508,8 +3632,8 @@
         </p:nvSpPr>
         <p:spPr>
           <a:xfrm>
-            <a:off x="3623382" y="1521855"/>
-            <a:ext cx="1462260" cy="307777"/>
+            <a:off x="3623382" y="1401422"/>
+            <a:ext cx="1479892" cy="307777"/>
           </a:xfrm>
           <a:prstGeom prst="rect">
             <a:avLst/>
@@ -3541,13 +3665,13 @@
           <a:lstStyle/>
           <a:p>
             <a:r>
-              <a:rPr lang="en-CA" sz="1400" spc="300" dirty="0" smtClean="0">
+              <a:rPr lang="en-CA" sz="1400" b="1" spc="300" dirty="0" smtClean="0">
                 <a:latin typeface="Calibri" panose="020F0502020204030204" pitchFamily="34" charset="0"/>
                 <a:cs typeface="Calibri" panose="020F0502020204030204" pitchFamily="34" charset="0"/>
               </a:rPr>
               <a:t>EXPERIENCE</a:t>
             </a:r>
-            <a:endParaRPr lang="en-CA" sz="1400" spc="300" dirty="0">
+            <a:endParaRPr lang="en-CA" sz="1400" b="1" spc="300" dirty="0">
               <a:latin typeface="Calibri" panose="020F0502020204030204" pitchFamily="34" charset="0"/>
               <a:cs typeface="Calibri" panose="020F0502020204030204" pitchFamily="34" charset="0"/>
             </a:endParaRPr>
@@ -3563,20 +3687,20 @@
           <p:nvPr>
             <p:extLst>
               <p:ext uri="{D42A27DB-BD31-4B8C-83A1-F6EECF244321}">
-                <p14:modId xmlns:p14="http://schemas.microsoft.com/office/powerpoint/2010/main" val="4187566447"/>
+                <p14:modId xmlns:p14="http://schemas.microsoft.com/office/powerpoint/2010/main" val="4282203682"/>
               </p:ext>
             </p:extLst>
           </p:nvPr>
         </p:nvGraphicFramePr>
         <p:xfrm>
           <a:off x="2039937" y="5273637"/>
-          <a:ext cx="4629150" cy="4531760"/>
+          <a:ext cx="4629150" cy="2949340"/>
         </p:xfrm>
         <a:graphic>
           <a:graphicData uri="http://schemas.openxmlformats.org/drawingml/2006/table">
             <a:tbl>
               <a:tblPr>
-                <a:tableStyleId>{7E9639D4-E3E2-4D34-9284-5A2195B3D0D7}</a:tableStyleId>
+                <a:tableStyleId>{793D81CF-94F2-401A-BA57-92F5A7B2D0C5}</a:tableStyleId>
               </a:tblPr>
               <a:tblGrid>
                 <a:gridCol w="1703070">
@@ -3600,6 +3724,7 @@
                     <a:bodyPr/>
                     <a:lstStyle/>
                     <a:p>
+                      <a:pPr algn="r"/>
                       <a:r>
                         <a:rPr lang="en-CA" dirty="0" smtClean="0"/>
                         <a:t>JAN</a:t>
@@ -3611,7 +3736,11 @@
                       <a:endParaRPr lang="en-CA" dirty="0"/>
                     </a:p>
                   </a:txBody>
-                  <a:tcPr anchor="b"/>
+                  <a:tcPr anchor="b">
+                    <a:lnB w="12700" cmpd="sng">
+                      <a:noFill/>
+                    </a:lnB>
+                  </a:tcPr>
                 </a:tc>
                 <a:tc>
                   <a:txBody>
@@ -3629,7 +3758,11 @@
                       <a:endParaRPr lang="en-CA" b="1" dirty="0"/>
                     </a:p>
                   </a:txBody>
-                  <a:tcPr anchor="b"/>
+                  <a:tcPr anchor="b">
+                    <a:lnB w="12700" cmpd="sng">
+                      <a:noFill/>
+                    </a:lnB>
+                  </a:tcPr>
                 </a:tc>
                 <a:extLst>
                   <a:ext uri="{0D108BD9-81ED-4DB2-BD59-A6C34878D82A}">
@@ -3646,7 +3779,14 @@
                       <a:endParaRPr lang="en-CA" dirty="0"/>
                     </a:p>
                   </a:txBody>
-                  <a:tcPr anchor="b"/>
+                  <a:tcPr anchor="b">
+                    <a:lnT w="12700" cmpd="sng">
+                      <a:noFill/>
+                    </a:lnT>
+                    <a:lnB w="12700" cmpd="sng">
+                      <a:noFill/>
+                    </a:lnB>
+                  </a:tcPr>
                 </a:tc>
                 <a:tc>
                   <a:txBody>
@@ -3654,17 +3794,24 @@
                     <a:lstStyle/>
                     <a:p>
                       <a:r>
-                        <a:rPr lang="en-CA" b="0" dirty="0" smtClean="0"/>
+                        <a:rPr lang="en-CA" dirty="0" smtClean="0"/>
                         <a:t>University</a:t>
                       </a:r>
                       <a:r>
-                        <a:rPr lang="en-CA" b="0" baseline="0" dirty="0" smtClean="0"/>
+                        <a:rPr lang="en-CA" baseline="0" dirty="0" smtClean="0"/>
                         <a:t> of Toronto, St. George Campus</a:t>
                       </a:r>
                       <a:endParaRPr lang="en-CA" b="0" dirty="0"/>
                     </a:p>
                   </a:txBody>
-                  <a:tcPr anchor="b"/>
+                  <a:tcPr anchor="b">
+                    <a:lnT w="12700" cmpd="sng">
+                      <a:noFill/>
+                    </a:lnT>
+                    <a:lnB w="12700" cmpd="sng">
+                      <a:noFill/>
+                    </a:lnB>
+                  </a:tcPr>
                 </a:tc>
                 <a:extLst>
                   <a:ext uri="{0D108BD9-81ED-4DB2-BD59-A6C34878D82A}">
@@ -3681,35 +3828,57 @@
                       <a:endParaRPr lang="en-CA" dirty="0"/>
                     </a:p>
                   </a:txBody>
-                  <a:tcPr anchor="b"/>
+                  <a:tcPr anchor="b">
+                    <a:lnT w="12700" cmpd="sng">
+                      <a:noFill/>
+                    </a:lnT>
+                  </a:tcPr>
                 </a:tc>
                 <a:tc>
                   <a:txBody>
                     <a:bodyPr/>
                     <a:lstStyle/>
                     <a:p>
-                      <a:r>
-                        <a:rPr lang="en-CA" b="0" dirty="0" smtClean="0"/>
-                        <a:t>Certification of</a:t>
-                      </a:r>
-                      <a:r>
-                        <a:rPr lang="en-CA" b="0" baseline="0" dirty="0" smtClean="0"/>
-                        <a:t> </a:t>
-                      </a:r>
-                      <a:r>
-                        <a:rPr lang="en-CA" b="0" dirty="0" smtClean="0"/>
-                        <a:t>Specialization in Information Engineering</a:t>
-                      </a:r>
-                    </a:p>
-                    <a:p>
                       <a:pPr marL="285750" indent="-285750">
                         <a:buFont typeface="Arial" panose="020B0604020202020204" pitchFamily="34" charset="0"/>
                         <a:buChar char="•"/>
                       </a:pPr>
-                      <a:endParaRPr lang="en-CA" b="0" dirty="0"/>
+                      <a:r>
+                        <a:rPr lang="en-CA" dirty="0" smtClean="0"/>
+                        <a:t>Machine Learning</a:t>
+                      </a:r>
+                    </a:p>
+                    <a:p>
+                      <a:pPr marL="285750" indent="-285750">
+                        <a:buFont typeface="Arial" panose="020B0604020202020204" pitchFamily="34" charset="0"/>
+                        <a:buChar char="•"/>
+                      </a:pPr>
+                      <a:r>
+                        <a:rPr lang="en-CA" dirty="0" smtClean="0"/>
+                        <a:t>Data</a:t>
+                      </a:r>
+                      <a:r>
+                        <a:rPr lang="en-CA" baseline="0" dirty="0" smtClean="0"/>
+                        <a:t> Analytics – Big Data</a:t>
+                      </a:r>
+                    </a:p>
+                    <a:p>
+                      <a:pPr marL="285750" indent="-285750">
+                        <a:buFont typeface="Arial" panose="020B0604020202020204" pitchFamily="34" charset="0"/>
+                        <a:buChar char="•"/>
+                      </a:pPr>
+                      <a:r>
+                        <a:rPr lang="en-CA" baseline="0" dirty="0" smtClean="0"/>
+                        <a:t>Semantic Web</a:t>
+                      </a:r>
+                      <a:endParaRPr lang="en-CA" b="0" baseline="0" dirty="0" smtClean="0"/>
                     </a:p>
                   </a:txBody>
-                  <a:tcPr anchor="b"/>
+                  <a:tcPr anchor="b">
+                    <a:lnT w="12700" cmpd="sng">
+                      <a:noFill/>
+                    </a:lnT>
+                  </a:tcPr>
                 </a:tc>
                 <a:extLst>
                   <a:ext uri="{0D108BD9-81ED-4DB2-BD59-A6C34878D82A}">
@@ -3723,6 +3892,7 @@
                     <a:bodyPr/>
                     <a:lstStyle/>
                     <a:p>
+                      <a:pPr algn="r"/>
                       <a:r>
                         <a:rPr lang="en-CA" dirty="0" smtClean="0"/>
                         <a:t>2012 - 2016</a:t>
@@ -3730,7 +3900,11 @@
                       <a:endParaRPr lang="en-CA" dirty="0"/>
                     </a:p>
                   </a:txBody>
-                  <a:tcPr anchor="b"/>
+                  <a:tcPr anchor="b">
+                    <a:lnB w="12700" cmpd="sng">
+                      <a:noFill/>
+                    </a:lnB>
+                  </a:tcPr>
                 </a:tc>
                 <a:tc>
                   <a:txBody>
@@ -3748,7 +3922,11 @@
                       <a:endParaRPr lang="en-CA" b="1" dirty="0"/>
                     </a:p>
                   </a:txBody>
-                  <a:tcPr anchor="b"/>
+                  <a:tcPr anchor="b">
+                    <a:lnB w="12700" cmpd="sng">
+                      <a:noFill/>
+                    </a:lnB>
+                  </a:tcPr>
                 </a:tc>
                 <a:extLst>
                   <a:ext uri="{0D108BD9-81ED-4DB2-BD59-A6C34878D82A}">
@@ -3765,7 +3943,14 @@
                       <a:endParaRPr lang="en-CA" dirty="0"/>
                     </a:p>
                   </a:txBody>
-                  <a:tcPr/>
+                  <a:tcPr>
+                    <a:lnT w="12700" cmpd="sng">
+                      <a:noFill/>
+                    </a:lnT>
+                    <a:lnB w="12700" cmpd="sng">
+                      <a:noFill/>
+                    </a:lnB>
+                  </a:tcPr>
                 </a:tc>
                 <a:tc>
                   <a:txBody>
@@ -3779,7 +3964,14 @@
                       <a:endParaRPr lang="en-CA" baseline="0" dirty="0" smtClean="0"/>
                     </a:p>
                   </a:txBody>
-                  <a:tcPr anchor="ctr"/>
+                  <a:tcPr anchor="ctr">
+                    <a:lnT w="12700" cmpd="sng">
+                      <a:noFill/>
+                    </a:lnT>
+                    <a:lnB w="12700" cmpd="sng">
+                      <a:noFill/>
+                    </a:lnB>
+                  </a:tcPr>
                 </a:tc>
                 <a:extLst>
                   <a:ext uri="{0D108BD9-81ED-4DB2-BD59-A6C34878D82A}">
@@ -3796,7 +3988,11 @@
                       <a:endParaRPr lang="en-CA" dirty="0"/>
                     </a:p>
                   </a:txBody>
-                  <a:tcPr/>
+                  <a:tcPr>
+                    <a:lnT w="12700" cmpd="sng">
+                      <a:noFill/>
+                    </a:lnT>
+                  </a:tcPr>
                 </a:tc>
                 <a:tc>
                   <a:txBody>
@@ -3824,7 +4020,11 @@
                       <a:endParaRPr lang="en-CA" dirty="0"/>
                     </a:p>
                   </a:txBody>
-                  <a:tcPr anchor="ctr"/>
+                  <a:tcPr anchor="ctr">
+                    <a:lnT w="12700" cmpd="sng">
+                      <a:noFill/>
+                    </a:lnT>
+                  </a:tcPr>
                 </a:tc>
                 <a:extLst>
                   <a:ext uri="{0D108BD9-81ED-4DB2-BD59-A6C34878D82A}">
@@ -3832,142 +4032,340 @@
                   </a:ext>
                 </a:extLst>
               </a:tr>
-              <a:tr h="370840">
+            </a:tbl>
+          </a:graphicData>
+        </a:graphic>
+      </p:graphicFrame>
+      <p:sp>
+        <p:nvSpPr>
+          <p:cNvPr id="11" name="TextBox 10"/>
+          <p:cNvSpPr txBox="1"/>
+          <p:nvPr/>
+        </p:nvSpPr>
+        <p:spPr>
+          <a:xfrm>
+            <a:off x="3655250" y="5119748"/>
+            <a:ext cx="1416157" cy="307777"/>
+          </a:xfrm>
+          <a:prstGeom prst="rect">
+            <a:avLst/>
+          </a:prstGeom>
+          <a:ln>
+            <a:solidFill>
+              <a:schemeClr val="bg1"/>
+            </a:solidFill>
+          </a:ln>
+        </p:spPr>
+        <p:style>
+          <a:lnRef idx="2">
+            <a:schemeClr val="dk1"/>
+          </a:lnRef>
+          <a:fillRef idx="1">
+            <a:schemeClr val="lt1"/>
+          </a:fillRef>
+          <a:effectRef idx="0">
+            <a:schemeClr val="dk1"/>
+          </a:effectRef>
+          <a:fontRef idx="minor">
+            <a:schemeClr val="dk1"/>
+          </a:fontRef>
+        </p:style>
+        <p:txBody>
+          <a:bodyPr wrap="none" rtlCol="0">
+            <a:spAutoFit/>
+          </a:bodyPr>
+          <a:lstStyle/>
+          <a:p>
+            <a:r>
+              <a:rPr lang="en-CA" sz="1400" b="1" spc="300" dirty="0" smtClean="0">
+                <a:latin typeface="Calibri" panose="020F0502020204030204" pitchFamily="34" charset="0"/>
+                <a:cs typeface="Calibri" panose="020F0502020204030204" pitchFamily="34" charset="0"/>
+              </a:rPr>
+              <a:t>EDUCATION</a:t>
+            </a:r>
+            <a:endParaRPr lang="en-CA" sz="1400" b="1" spc="300" dirty="0">
+              <a:latin typeface="Calibri" panose="020F0502020204030204" pitchFamily="34" charset="0"/>
+              <a:cs typeface="Calibri" panose="020F0502020204030204" pitchFamily="34" charset="0"/>
+            </a:endParaRPr>
+          </a:p>
+        </p:txBody>
+      </p:sp>
+      <p:graphicFrame>
+        <p:nvGraphicFramePr>
+          <p:cNvPr id="12" name="Table 11"/>
+          <p:cNvGraphicFramePr>
+            <a:graphicFrameLocks noGrp="1"/>
+          </p:cNvGraphicFramePr>
+          <p:nvPr>
+            <p:extLst>
+              <p:ext uri="{D42A27DB-BD31-4B8C-83A1-F6EECF244321}">
+                <p14:modId xmlns:p14="http://schemas.microsoft.com/office/powerpoint/2010/main" val="4162438126"/>
+              </p:ext>
+            </p:extLst>
+          </p:nvPr>
+        </p:nvGraphicFramePr>
+        <p:xfrm>
+          <a:off x="188912" y="1561443"/>
+          <a:ext cx="1703070" cy="4686300"/>
+        </p:xfrm>
+        <a:graphic>
+          <a:graphicData uri="http://schemas.openxmlformats.org/drawingml/2006/table">
+            <a:tbl>
+              <a:tblPr>
+                <a:tableStyleId>{616DA210-FB5B-4158-B5E0-FEB733F419BA}</a:tableStyleId>
+              </a:tblPr>
+              <a:tblGrid>
+                <a:gridCol w="1703070">
+                  <a:extLst>
+                    <a:ext uri="{9D8B030D-6E8A-4147-A177-3AD203B41FA5}">
+                      <a16:colId xmlns:a16="http://schemas.microsoft.com/office/drawing/2014/main" val="441040355"/>
+                    </a:ext>
+                  </a:extLst>
+                </a:gridCol>
+              </a:tblGrid>
+              <a:tr h="432000">
                 <a:tc>
                   <a:txBody>
                     <a:bodyPr/>
                     <a:lstStyle/>
                     <a:p>
+                      <a:pPr marL="117475" indent="0" algn="l">
+                        <a:buFont typeface="Arial" panose="020B0604020202020204" pitchFamily="34" charset="0"/>
+                        <a:buNone/>
+                      </a:pPr>
+                      <a:endParaRPr lang="en-CA" dirty="0" smtClean="0"/>
+                    </a:p>
+                    <a:p>
+                      <a:pPr marL="117475" indent="0" algn="l">
+                        <a:buFont typeface="Arial" panose="020B0604020202020204" pitchFamily="34" charset="0"/>
+                        <a:buNone/>
+                      </a:pPr>
                       <a:r>
                         <a:rPr lang="en-CA" dirty="0" smtClean="0"/>
-                        <a:t>FEB 2017 – AUG</a:t>
+                        <a:t>Python</a:t>
                       </a:r>
+                    </a:p>
+                    <a:p>
+                      <a:pPr marL="117475" indent="0" algn="l">
+                        <a:buFont typeface="Arial" panose="020B0604020202020204" pitchFamily="34" charset="0"/>
+                        <a:buNone/>
+                      </a:pPr>
                       <a:r>
-                        <a:rPr lang="en-CA" baseline="0" dirty="0" smtClean="0"/>
-                        <a:t> 2018</a:t>
+                        <a:rPr lang="en-CA" dirty="0" smtClean="0"/>
+                        <a:t>JavaScript</a:t>
                       </a:r>
-                      <a:endParaRPr lang="en-CA" dirty="0"/>
-                    </a:p>
-                  </a:txBody>
-                  <a:tcPr anchor="b"/>
-                </a:tc>
-                <a:tc>
-                  <a:txBody>
-                    <a:bodyPr/>
-                    <a:lstStyle/>
-                    <a:p>
+                    </a:p>
+                    <a:p>
+                      <a:pPr marL="117475" indent="0" algn="l">
+                        <a:buFont typeface="Arial" panose="020B0604020202020204" pitchFamily="34" charset="0"/>
+                        <a:buNone/>
+                      </a:pPr>
                       <a:r>
-                        <a:rPr lang="en-CA" b="1" dirty="0" smtClean="0"/>
-                        <a:t>Customer Receptionist</a:t>
+                        <a:rPr lang="en-CA" dirty="0" smtClean="0"/>
+                        <a:t>C++</a:t>
                       </a:r>
-                      <a:r>
-                        <a:rPr lang="en-CA" b="1" baseline="0" dirty="0" smtClean="0"/>
-                        <a:t> &amp; Manager</a:t>
-                      </a:r>
-                      <a:endParaRPr lang="en-CA" b="1" dirty="0"/>
+                    </a:p>
+                    <a:p>
+                      <a:pPr marL="117475" indent="0" algn="l">
+                        <a:buFont typeface="Arial" panose="020B0604020202020204" pitchFamily="34" charset="0"/>
+                        <a:buNone/>
+                      </a:pPr>
+                      <a:endParaRPr lang="en-CA" dirty="0" smtClean="0"/>
                     </a:p>
                   </a:txBody>
                   <a:tcPr anchor="b"/>
                 </a:tc>
                 <a:extLst>
                   <a:ext uri="{0D108BD9-81ED-4DB2-BD59-A6C34878D82A}">
-                    <a16:rowId xmlns:a16="http://schemas.microsoft.com/office/drawing/2014/main" val="2019504579"/>
+                    <a16:rowId xmlns:a16="http://schemas.microsoft.com/office/drawing/2014/main" val="2156703344"/>
                   </a:ext>
                 </a:extLst>
               </a:tr>
-              <a:tr h="370840">
+              <a:tr h="432000">
                 <a:tc>
                   <a:txBody>
                     <a:bodyPr/>
                     <a:lstStyle/>
                     <a:p>
-                      <a:endParaRPr lang="en-CA" dirty="0"/>
+                      <a:pPr marL="117475" indent="0" algn="l">
+                        <a:buFont typeface="Arial" panose="020B0604020202020204" pitchFamily="34" charset="0"/>
+                        <a:buNone/>
+                      </a:pPr>
+                      <a:endParaRPr lang="en-CA" dirty="0" smtClean="0"/>
+                    </a:p>
+                    <a:p>
+                      <a:pPr marL="117475" indent="0" algn="l">
+                        <a:buFont typeface="Arial" panose="020B0604020202020204" pitchFamily="34" charset="0"/>
+                        <a:buNone/>
+                      </a:pPr>
+                      <a:r>
+                        <a:rPr lang="en-CA" dirty="0" smtClean="0"/>
+                        <a:t>HTML/CSS</a:t>
+                      </a:r>
+                    </a:p>
+                    <a:p>
+                      <a:pPr marL="117475" indent="0" algn="l">
+                        <a:buFont typeface="Arial" panose="020B0604020202020204" pitchFamily="34" charset="0"/>
+                        <a:buNone/>
+                      </a:pPr>
+                      <a:r>
+                        <a:rPr lang="en-CA" dirty="0" smtClean="0"/>
+                        <a:t>Bootstrap</a:t>
+                      </a:r>
+                    </a:p>
+                    <a:p>
+                      <a:pPr marL="117475" indent="0" algn="l">
+                        <a:buFont typeface="Arial" panose="020B0604020202020204" pitchFamily="34" charset="0"/>
+                        <a:buNone/>
+                      </a:pPr>
+                      <a:r>
+                        <a:rPr lang="en-CA" dirty="0" smtClean="0"/>
+                        <a:t>Angular</a:t>
+                      </a:r>
+                    </a:p>
+                    <a:p>
+                      <a:pPr marL="117475" indent="0" algn="l">
+                        <a:buFont typeface="Arial" panose="020B0604020202020204" pitchFamily="34" charset="0"/>
+                        <a:buNone/>
+                      </a:pPr>
+                      <a:r>
+                        <a:rPr lang="en-CA" dirty="0" smtClean="0"/>
+                        <a:t>Django</a:t>
+                      </a:r>
+                    </a:p>
+                    <a:p>
+                      <a:pPr marL="117475" indent="0" algn="l">
+                        <a:buFont typeface="Arial" panose="020B0604020202020204" pitchFamily="34" charset="0"/>
+                        <a:buNone/>
+                      </a:pPr>
+                      <a:r>
+                        <a:rPr lang="en-CA" dirty="0" smtClean="0"/>
+                        <a:t>WordPress</a:t>
+                      </a:r>
+                    </a:p>
+                    <a:p>
+                      <a:pPr marL="117475" indent="0" algn="l">
+                        <a:buFont typeface="Arial" panose="020B0604020202020204" pitchFamily="34" charset="0"/>
+                        <a:buNone/>
+                      </a:pPr>
+                      <a:endParaRPr lang="en-CA" dirty="0" smtClean="0"/>
                     </a:p>
                   </a:txBody>
-                  <a:tcPr/>
+                  <a:tcPr anchor="b"/>
                 </a:tc>
+                <a:extLst>
+                  <a:ext uri="{0D108BD9-81ED-4DB2-BD59-A6C34878D82A}">
+                    <a16:rowId xmlns:a16="http://schemas.microsoft.com/office/drawing/2014/main" val="1185155874"/>
+                  </a:ext>
+                </a:extLst>
+              </a:tr>
+              <a:tr h="432000">
                 <a:tc>
                   <a:txBody>
                     <a:bodyPr/>
                     <a:lstStyle/>
                     <a:p>
-                      <a:r>
-                        <a:rPr lang="en-CA" dirty="0" smtClean="0"/>
-                        <a:t>CabbageTown Organic</a:t>
-                      </a:r>
+                      <a:pPr marL="117475" indent="0" algn="l">
+                        <a:buFont typeface="Arial" panose="020B0604020202020204" pitchFamily="34" charset="0"/>
+                        <a:buNone/>
+                      </a:pPr>
+                      <a:endParaRPr lang="en-CA" baseline="0" dirty="0" smtClean="0"/>
+                    </a:p>
+                    <a:p>
+                      <a:pPr marL="117475" indent="0" algn="l">
+                        <a:buFont typeface="Arial" panose="020B0604020202020204" pitchFamily="34" charset="0"/>
+                        <a:buNone/>
+                      </a:pPr>
                       <a:r>
                         <a:rPr lang="en-CA" baseline="0" dirty="0" smtClean="0"/>
-                        <a:t> Fine Foods,</a:t>
+                        <a:t>MySQL</a:t>
                       </a:r>
                     </a:p>
                     <a:p>
+                      <a:pPr marL="117475" indent="0" algn="l">
+                        <a:buFont typeface="Arial" panose="020B0604020202020204" pitchFamily="34" charset="0"/>
+                        <a:buNone/>
+                      </a:pPr>
                       <a:r>
                         <a:rPr lang="en-CA" baseline="0" dirty="0" smtClean="0"/>
-                        <a:t>499 Parliament St, M4X 1P3</a:t>
+                        <a:t>PostgreSQL</a:t>
                       </a:r>
-                      <a:endParaRPr lang="en-CA" dirty="0"/>
+                    </a:p>
+                    <a:p>
+                      <a:pPr marL="117475" indent="0" algn="l">
+                        <a:buFont typeface="Arial" panose="020B0604020202020204" pitchFamily="34" charset="0"/>
+                        <a:buNone/>
+                      </a:pPr>
+                      <a:r>
+                        <a:rPr lang="en-CA" baseline="0" dirty="0" smtClean="0"/>
+                        <a:t>MongoDB</a:t>
+                      </a:r>
+                    </a:p>
+                    <a:p>
+                      <a:pPr marL="117475" indent="0" algn="l">
+                        <a:buFont typeface="Arial" panose="020B0604020202020204" pitchFamily="34" charset="0"/>
+                        <a:buNone/>
+                      </a:pPr>
+                      <a:r>
+                        <a:rPr lang="en-CA" baseline="0" dirty="0" smtClean="0"/>
+                        <a:t>Firebase</a:t>
+                      </a:r>
+                    </a:p>
+                    <a:p>
+                      <a:pPr marL="117475" indent="0" algn="l">
+                        <a:buFont typeface="Arial" panose="020B0604020202020204" pitchFamily="34" charset="0"/>
+                        <a:buNone/>
+                      </a:pPr>
+                      <a:endParaRPr lang="en-CA" baseline="0" dirty="0" smtClean="0"/>
                     </a:p>
                   </a:txBody>
-                  <a:tcPr anchor="ctr"/>
+                  <a:tcPr anchor="b"/>
                 </a:tc>
                 <a:extLst>
                   <a:ext uri="{0D108BD9-81ED-4DB2-BD59-A6C34878D82A}">
-                    <a16:rowId xmlns:a16="http://schemas.microsoft.com/office/drawing/2014/main" val="4170792610"/>
+                    <a16:rowId xmlns:a16="http://schemas.microsoft.com/office/drawing/2014/main" val="743267301"/>
                   </a:ext>
                 </a:extLst>
               </a:tr>
-              <a:tr h="370840">
+              <a:tr h="432000">
                 <a:tc>
                   <a:txBody>
                     <a:bodyPr/>
                     <a:lstStyle/>
                     <a:p>
-                      <a:endParaRPr lang="en-CA" dirty="0"/>
-                    </a:p>
-                  </a:txBody>
-                  <a:tcPr/>
-                </a:tc>
-                <a:tc>
-                  <a:txBody>
-                    <a:bodyPr/>
-                    <a:lstStyle/>
-                    <a:p>
-                      <a:pPr marL="285750" indent="-285750">
+                      <a:pPr marL="117475" indent="0" algn="l">
                         <a:buFont typeface="Arial" panose="020B0604020202020204" pitchFamily="34" charset="0"/>
-                        <a:buChar char="•"/>
+                        <a:buNone/>
+                      </a:pPr>
+                      <a:endParaRPr lang="en-CA" baseline="0" dirty="0" smtClean="0"/>
+                    </a:p>
+                    <a:p>
+                      <a:pPr marL="117475" indent="0" algn="l">
+                        <a:buFont typeface="Arial" panose="020B0604020202020204" pitchFamily="34" charset="0"/>
+                        <a:buNone/>
                       </a:pPr>
                       <a:r>
-                        <a:rPr lang="en-CA" dirty="0" smtClean="0"/>
-                        <a:t>Customer Reception</a:t>
+                        <a:rPr lang="en-CA" baseline="0" dirty="0" smtClean="0"/>
+                        <a:t>Hadoop</a:t>
                       </a:r>
                     </a:p>
                     <a:p>
-                      <a:pPr marL="285750" indent="-285750">
+                      <a:pPr marL="117475" indent="0" algn="l">
                         <a:buFont typeface="Arial" panose="020B0604020202020204" pitchFamily="34" charset="0"/>
-                        <a:buChar char="•"/>
+                        <a:buNone/>
                       </a:pPr>
                       <a:r>
-                        <a:rPr lang="en-CA" dirty="0" smtClean="0"/>
-                        <a:t>Inventory Management</a:t>
+                        <a:rPr lang="en-CA" baseline="0" dirty="0" smtClean="0"/>
+                        <a:t>Spark</a:t>
                       </a:r>
-                    </a:p>
-                    <a:p>
-                      <a:pPr marL="285750" indent="-285750">
-                        <a:buFont typeface="Arial" panose="020B0604020202020204" pitchFamily="34" charset="0"/>
-                        <a:buChar char="•"/>
-                      </a:pPr>
-                      <a:r>
-                        <a:rPr lang="en-CA" dirty="0" smtClean="0"/>
-                        <a:t>Employee Training</a:t>
-                      </a:r>
-                      <a:endParaRPr lang="en-CA" dirty="0"/>
+                      <a:endParaRPr lang="en-CA" b="0" dirty="0" smtClean="0"/>
                     </a:p>
                   </a:txBody>
-                  <a:tcPr anchor="ctr"/>
+                  <a:tcPr anchor="b"/>
                 </a:tc>
                 <a:extLst>
                   <a:ext uri="{0D108BD9-81ED-4DB2-BD59-A6C34878D82A}">
-                    <a16:rowId xmlns:a16="http://schemas.microsoft.com/office/drawing/2014/main" val="1262828966"/>
+                    <a16:rowId xmlns:a16="http://schemas.microsoft.com/office/drawing/2014/main" val="2267005569"/>
                   </a:ext>
                 </a:extLst>
               </a:tr>
@@ -3975,6 +4373,669 @@
           </a:graphicData>
         </a:graphic>
       </p:graphicFrame>
+      <p:sp>
+        <p:nvSpPr>
+          <p:cNvPr id="13" name="TextBox 12"/>
+          <p:cNvSpPr txBox="1"/>
+          <p:nvPr/>
+        </p:nvSpPr>
+        <p:spPr>
+          <a:xfrm>
+            <a:off x="309317" y="1413687"/>
+            <a:ext cx="750526" cy="307777"/>
+          </a:xfrm>
+          <a:prstGeom prst="rect">
+            <a:avLst/>
+          </a:prstGeom>
+          <a:ln>
+            <a:solidFill>
+              <a:schemeClr val="bg1"/>
+            </a:solidFill>
+          </a:ln>
+        </p:spPr>
+        <p:style>
+          <a:lnRef idx="2">
+            <a:schemeClr val="dk1"/>
+          </a:lnRef>
+          <a:fillRef idx="1">
+            <a:schemeClr val="lt1"/>
+          </a:fillRef>
+          <a:effectRef idx="0">
+            <a:schemeClr val="dk1"/>
+          </a:effectRef>
+          <a:fontRef idx="minor">
+            <a:schemeClr val="dk1"/>
+          </a:fontRef>
+        </p:style>
+        <p:txBody>
+          <a:bodyPr wrap="none" rtlCol="0">
+            <a:spAutoFit/>
+          </a:bodyPr>
+          <a:lstStyle/>
+          <a:p>
+            <a:r>
+              <a:rPr lang="en-CA" sz="1400" b="1" spc="300" dirty="0" smtClean="0">
+                <a:latin typeface="Calibri" panose="020F0502020204030204" pitchFamily="34" charset="0"/>
+                <a:cs typeface="Calibri" panose="020F0502020204030204" pitchFamily="34" charset="0"/>
+              </a:rPr>
+              <a:t>CODE</a:t>
+            </a:r>
+            <a:endParaRPr lang="en-CA" sz="1400" b="1" spc="300" dirty="0">
+              <a:latin typeface="Calibri" panose="020F0502020204030204" pitchFamily="34" charset="0"/>
+              <a:cs typeface="Calibri" panose="020F0502020204030204" pitchFamily="34" charset="0"/>
+            </a:endParaRPr>
+          </a:p>
+        </p:txBody>
+      </p:sp>
+      <p:sp>
+        <p:nvSpPr>
+          <p:cNvPr id="14" name="TextBox 13"/>
+          <p:cNvSpPr txBox="1"/>
+          <p:nvPr/>
+        </p:nvSpPr>
+        <p:spPr>
+          <a:xfrm>
+            <a:off x="309317" y="2534617"/>
+            <a:ext cx="652743" cy="307777"/>
+          </a:xfrm>
+          <a:prstGeom prst="rect">
+            <a:avLst/>
+          </a:prstGeom>
+          <a:ln>
+            <a:solidFill>
+              <a:schemeClr val="bg1"/>
+            </a:solidFill>
+          </a:ln>
+        </p:spPr>
+        <p:style>
+          <a:lnRef idx="2">
+            <a:schemeClr val="dk1"/>
+          </a:lnRef>
+          <a:fillRef idx="1">
+            <a:schemeClr val="lt1"/>
+          </a:fillRef>
+          <a:effectRef idx="0">
+            <a:schemeClr val="dk1"/>
+          </a:effectRef>
+          <a:fontRef idx="minor">
+            <a:schemeClr val="dk1"/>
+          </a:fontRef>
+        </p:style>
+        <p:txBody>
+          <a:bodyPr wrap="none" rtlCol="0">
+            <a:spAutoFit/>
+          </a:bodyPr>
+          <a:lstStyle/>
+          <a:p>
+            <a:r>
+              <a:rPr lang="en-CA" sz="1400" b="1" spc="300" dirty="0" smtClean="0">
+                <a:latin typeface="Calibri" panose="020F0502020204030204" pitchFamily="34" charset="0"/>
+                <a:cs typeface="Calibri" panose="020F0502020204030204" pitchFamily="34" charset="0"/>
+              </a:rPr>
+              <a:t>WEB</a:t>
+            </a:r>
+            <a:endParaRPr lang="en-CA" sz="1400" b="1" spc="300" dirty="0">
+              <a:latin typeface="Calibri" panose="020F0502020204030204" pitchFamily="34" charset="0"/>
+              <a:cs typeface="Calibri" panose="020F0502020204030204" pitchFamily="34" charset="0"/>
+            </a:endParaRPr>
+          </a:p>
+        </p:txBody>
+      </p:sp>
+      <p:sp>
+        <p:nvSpPr>
+          <p:cNvPr id="15" name="TextBox 14"/>
+          <p:cNvSpPr txBox="1"/>
+          <p:nvPr/>
+        </p:nvSpPr>
+        <p:spPr>
+          <a:xfrm>
+            <a:off x="309317" y="4060686"/>
+            <a:ext cx="726161" cy="307777"/>
+          </a:xfrm>
+          <a:prstGeom prst="rect">
+            <a:avLst/>
+          </a:prstGeom>
+          <a:ln>
+            <a:solidFill>
+              <a:schemeClr val="bg1"/>
+            </a:solidFill>
+          </a:ln>
+        </p:spPr>
+        <p:style>
+          <a:lnRef idx="2">
+            <a:schemeClr val="dk1"/>
+          </a:lnRef>
+          <a:fillRef idx="1">
+            <a:schemeClr val="lt1"/>
+          </a:fillRef>
+          <a:effectRef idx="0">
+            <a:schemeClr val="dk1"/>
+          </a:effectRef>
+          <a:fontRef idx="minor">
+            <a:schemeClr val="dk1"/>
+          </a:fontRef>
+        </p:style>
+        <p:txBody>
+          <a:bodyPr wrap="none" rtlCol="0">
+            <a:spAutoFit/>
+          </a:bodyPr>
+          <a:lstStyle/>
+          <a:p>
+            <a:r>
+              <a:rPr lang="en-CA" sz="1400" b="1" spc="300" dirty="0" smtClean="0">
+                <a:latin typeface="Calibri" panose="020F0502020204030204" pitchFamily="34" charset="0"/>
+                <a:cs typeface="Calibri" panose="020F0502020204030204" pitchFamily="34" charset="0"/>
+              </a:rPr>
+              <a:t>DATA</a:t>
+            </a:r>
+            <a:endParaRPr lang="en-CA" sz="1400" b="1" spc="300" dirty="0">
+              <a:latin typeface="Calibri" panose="020F0502020204030204" pitchFamily="34" charset="0"/>
+              <a:cs typeface="Calibri" panose="020F0502020204030204" pitchFamily="34" charset="0"/>
+            </a:endParaRPr>
+          </a:p>
+        </p:txBody>
+      </p:sp>
+      <p:sp>
+        <p:nvSpPr>
+          <p:cNvPr id="16" name="TextBox 15"/>
+          <p:cNvSpPr txBox="1"/>
+          <p:nvPr/>
+        </p:nvSpPr>
+        <p:spPr>
+          <a:xfrm>
+            <a:off x="309317" y="5391591"/>
+            <a:ext cx="1183016" cy="307777"/>
+          </a:xfrm>
+          <a:prstGeom prst="rect">
+            <a:avLst/>
+          </a:prstGeom>
+          <a:ln>
+            <a:solidFill>
+              <a:schemeClr val="bg1"/>
+            </a:solidFill>
+          </a:ln>
+        </p:spPr>
+        <p:style>
+          <a:lnRef idx="2">
+            <a:schemeClr val="dk1"/>
+          </a:lnRef>
+          <a:fillRef idx="1">
+            <a:schemeClr val="lt1"/>
+          </a:fillRef>
+          <a:effectRef idx="0">
+            <a:schemeClr val="dk1"/>
+          </a:effectRef>
+          <a:fontRef idx="minor">
+            <a:schemeClr val="dk1"/>
+          </a:fontRef>
+        </p:style>
+        <p:txBody>
+          <a:bodyPr wrap="none" rtlCol="0">
+            <a:spAutoFit/>
+          </a:bodyPr>
+          <a:lstStyle/>
+          <a:p>
+            <a:r>
+              <a:rPr lang="en-CA" sz="1400" b="1" spc="300" dirty="0" smtClean="0">
+                <a:latin typeface="Calibri" panose="020F0502020204030204" pitchFamily="34" charset="0"/>
+                <a:cs typeface="Calibri" panose="020F0502020204030204" pitchFamily="34" charset="0"/>
+              </a:rPr>
+              <a:t>BIG DATA</a:t>
+            </a:r>
+            <a:endParaRPr lang="en-CA" sz="1400" b="1" spc="300" dirty="0">
+              <a:latin typeface="Calibri" panose="020F0502020204030204" pitchFamily="34" charset="0"/>
+              <a:cs typeface="Calibri" panose="020F0502020204030204" pitchFamily="34" charset="0"/>
+            </a:endParaRPr>
+          </a:p>
+        </p:txBody>
+      </p:sp>
+      <p:sp>
+        <p:nvSpPr>
+          <p:cNvPr id="19" name="TextBox 18"/>
+          <p:cNvSpPr txBox="1"/>
+          <p:nvPr/>
+        </p:nvSpPr>
+        <p:spPr>
+          <a:xfrm>
+            <a:off x="309317" y="8222976"/>
+            <a:ext cx="1152239" cy="307777"/>
+          </a:xfrm>
+          <a:prstGeom prst="rect">
+            <a:avLst/>
+          </a:prstGeom>
+          <a:ln>
+            <a:solidFill>
+              <a:schemeClr val="bg1"/>
+            </a:solidFill>
+          </a:ln>
+        </p:spPr>
+        <p:style>
+          <a:lnRef idx="2">
+            <a:schemeClr val="dk1"/>
+          </a:lnRef>
+          <a:fillRef idx="1">
+            <a:schemeClr val="lt1"/>
+          </a:fillRef>
+          <a:effectRef idx="0">
+            <a:schemeClr val="dk1"/>
+          </a:effectRef>
+          <a:fontRef idx="minor">
+            <a:schemeClr val="dk1"/>
+          </a:fontRef>
+        </p:style>
+        <p:txBody>
+          <a:bodyPr wrap="none" rtlCol="0">
+            <a:spAutoFit/>
+          </a:bodyPr>
+          <a:lstStyle/>
+          <a:p>
+            <a:r>
+              <a:rPr lang="en-CA" sz="1400" b="1" spc="300" dirty="0" smtClean="0">
+                <a:latin typeface="Calibri" panose="020F0502020204030204" pitchFamily="34" charset="0"/>
+                <a:cs typeface="Calibri" panose="020F0502020204030204" pitchFamily="34" charset="0"/>
+              </a:rPr>
+              <a:t>CONTACT</a:t>
+            </a:r>
+            <a:endParaRPr lang="en-CA" sz="1400" b="1" spc="300" dirty="0">
+              <a:latin typeface="Calibri" panose="020F0502020204030204" pitchFamily="34" charset="0"/>
+              <a:cs typeface="Calibri" panose="020F0502020204030204" pitchFamily="34" charset="0"/>
+            </a:endParaRPr>
+          </a:p>
+        </p:txBody>
+      </p:sp>
+      <p:graphicFrame>
+        <p:nvGraphicFramePr>
+          <p:cNvPr id="21" name="Table 20"/>
+          <p:cNvGraphicFramePr>
+            <a:graphicFrameLocks noGrp="1"/>
+          </p:cNvGraphicFramePr>
+          <p:nvPr>
+            <p:extLst>
+              <p:ext uri="{D42A27DB-BD31-4B8C-83A1-F6EECF244321}">
+                <p14:modId xmlns:p14="http://schemas.microsoft.com/office/powerpoint/2010/main" val="1881739450"/>
+              </p:ext>
+            </p:extLst>
+          </p:nvPr>
+        </p:nvGraphicFramePr>
+        <p:xfrm>
+          <a:off x="188911" y="6527423"/>
+          <a:ext cx="1703072" cy="1695553"/>
+        </p:xfrm>
+        <a:graphic>
+          <a:graphicData uri="http://schemas.openxmlformats.org/drawingml/2006/table">
+            <a:tbl>
+              <a:tblPr>
+                <a:tableStyleId>{5940675A-B579-460E-94D1-54222C63F5DA}</a:tableStyleId>
+              </a:tblPr>
+              <a:tblGrid>
+                <a:gridCol w="1703072">
+                  <a:extLst>
+                    <a:ext uri="{9D8B030D-6E8A-4147-A177-3AD203B41FA5}">
+                      <a16:colId xmlns:a16="http://schemas.microsoft.com/office/drawing/2014/main" val="441040355"/>
+                    </a:ext>
+                  </a:extLst>
+                </a:gridCol>
+              </a:tblGrid>
+              <a:tr h="1695553">
+                <a:tc>
+                  <a:txBody>
+                    <a:bodyPr/>
+                    <a:lstStyle/>
+                    <a:p>
+                      <a:pPr marL="117475" indent="0" algn="l">
+                        <a:buFont typeface="Arial" panose="020B0604020202020204" pitchFamily="34" charset="0"/>
+                        <a:buNone/>
+                      </a:pPr>
+                      <a:endParaRPr lang="en-CA" dirty="0" smtClean="0"/>
+                    </a:p>
+                  </a:txBody>
+                  <a:tcPr anchor="b"/>
+                </a:tc>
+                <a:extLst>
+                  <a:ext uri="{0D108BD9-81ED-4DB2-BD59-A6C34878D82A}">
+                    <a16:rowId xmlns:a16="http://schemas.microsoft.com/office/drawing/2014/main" val="2156703344"/>
+                  </a:ext>
+                </a:extLst>
+              </a:tr>
+            </a:tbl>
+          </a:graphicData>
+        </a:graphic>
+      </p:graphicFrame>
+      <p:sp>
+        <p:nvSpPr>
+          <p:cNvPr id="22" name="TextBox 21"/>
+          <p:cNvSpPr txBox="1"/>
+          <p:nvPr/>
+        </p:nvSpPr>
+        <p:spPr>
+          <a:xfrm>
+            <a:off x="309316" y="6379884"/>
+            <a:ext cx="1175450" cy="307777"/>
+          </a:xfrm>
+          <a:prstGeom prst="rect">
+            <a:avLst/>
+          </a:prstGeom>
+          <a:ln>
+            <a:solidFill>
+              <a:schemeClr val="bg1"/>
+            </a:solidFill>
+          </a:ln>
+        </p:spPr>
+        <p:style>
+          <a:lnRef idx="2">
+            <a:schemeClr val="dk1"/>
+          </a:lnRef>
+          <a:fillRef idx="1">
+            <a:schemeClr val="lt1"/>
+          </a:fillRef>
+          <a:effectRef idx="0">
+            <a:schemeClr val="dk1"/>
+          </a:effectRef>
+          <a:fontRef idx="minor">
+            <a:schemeClr val="dk1"/>
+          </a:fontRef>
+        </p:style>
+        <p:txBody>
+          <a:bodyPr wrap="none" rtlCol="0">
+            <a:spAutoFit/>
+          </a:bodyPr>
+          <a:lstStyle/>
+          <a:p>
+            <a:r>
+              <a:rPr lang="en-CA" sz="1400" b="1" spc="300" dirty="0" smtClean="0">
+                <a:latin typeface="Calibri" panose="020F0502020204030204" pitchFamily="34" charset="0"/>
+                <a:cs typeface="Calibri" panose="020F0502020204030204" pitchFamily="34" charset="0"/>
+              </a:rPr>
+              <a:t>CONNECT</a:t>
+            </a:r>
+            <a:endParaRPr lang="en-CA" sz="1400" b="1" spc="300" dirty="0">
+              <a:latin typeface="Calibri" panose="020F0502020204030204" pitchFamily="34" charset="0"/>
+              <a:cs typeface="Calibri" panose="020F0502020204030204" pitchFamily="34" charset="0"/>
+            </a:endParaRPr>
+          </a:p>
+        </p:txBody>
+      </p:sp>
+      <p:pic>
+        <p:nvPicPr>
+          <p:cNvPr id="1026" name="Picture 2" descr="Image result for linkedin logo transparent"/>
+          <p:cNvPicPr>
+            <a:picLocks noChangeAspect="1" noChangeArrowheads="1"/>
+          </p:cNvPicPr>
+          <p:nvPr/>
+        </p:nvPicPr>
+        <p:blipFill rotWithShape="1">
+          <a:blip r:embed="rId3" cstate="print">
+            <a:extLst>
+              <a:ext uri="{28A0092B-C50C-407E-A947-70E740481C1C}">
+                <a14:useLocalDpi xmlns:a14="http://schemas.microsoft.com/office/drawing/2010/main" val="0"/>
+              </a:ext>
+            </a:extLst>
+          </a:blip>
+          <a:srcRect l="72075" t="-1719"/>
+          <a:stretch/>
+        </p:blipFill>
+        <p:spPr bwMode="auto">
+          <a:xfrm>
+            <a:off x="382251" y="6884077"/>
+            <a:ext cx="225213" cy="222725"/>
+          </a:xfrm>
+          <a:prstGeom prst="rect">
+            <a:avLst/>
+          </a:prstGeom>
+          <a:noFill/>
+          <a:extLst>
+            <a:ext uri="{909E8E84-426E-40DD-AFC4-6F175D3DCCD1}">
+              <a14:hiddenFill xmlns:a14="http://schemas.microsoft.com/office/drawing/2010/main">
+                <a:solidFill>
+                  <a:srgbClr val="FFFFFF"/>
+                </a:solidFill>
+              </a14:hiddenFill>
+            </a:ext>
+          </a:extLst>
+        </p:spPr>
+      </p:pic>
+      <p:sp>
+        <p:nvSpPr>
+          <p:cNvPr id="23" name="TextBox 22"/>
+          <p:cNvSpPr txBox="1"/>
+          <p:nvPr/>
+        </p:nvSpPr>
+        <p:spPr>
+          <a:xfrm>
+            <a:off x="635688" y="6841550"/>
+            <a:ext cx="1008481" cy="307777"/>
+          </a:xfrm>
+          <a:prstGeom prst="rect">
+            <a:avLst/>
+          </a:prstGeom>
+          <a:ln>
+            <a:solidFill>
+              <a:schemeClr val="bg1"/>
+            </a:solidFill>
+          </a:ln>
+        </p:spPr>
+        <p:style>
+          <a:lnRef idx="2">
+            <a:schemeClr val="dk1"/>
+          </a:lnRef>
+          <a:fillRef idx="1">
+            <a:schemeClr val="lt1"/>
+          </a:fillRef>
+          <a:effectRef idx="0">
+            <a:schemeClr val="dk1"/>
+          </a:effectRef>
+          <a:fontRef idx="minor">
+            <a:schemeClr val="dk1"/>
+          </a:fontRef>
+        </p:style>
+        <p:txBody>
+          <a:bodyPr wrap="none" rtlCol="0">
+            <a:spAutoFit/>
+          </a:bodyPr>
+          <a:lstStyle/>
+          <a:p>
+            <a:r>
+              <a:rPr lang="en-CA" sz="1400" b="1" dirty="0" smtClean="0">
+                <a:latin typeface="Calibri" panose="020F0502020204030204" pitchFamily="34" charset="0"/>
+                <a:cs typeface="Calibri" panose="020F0502020204030204" pitchFamily="34" charset="0"/>
+              </a:rPr>
+              <a:t>/ jay2jaykp</a:t>
+            </a:r>
+            <a:endParaRPr lang="en-CA" sz="1400" b="1" dirty="0">
+              <a:latin typeface="Calibri" panose="020F0502020204030204" pitchFamily="34" charset="0"/>
+              <a:cs typeface="Calibri" panose="020F0502020204030204" pitchFamily="34" charset="0"/>
+            </a:endParaRPr>
+          </a:p>
+        </p:txBody>
+      </p:sp>
+      <p:pic>
+        <p:nvPicPr>
+          <p:cNvPr id="1028" name="Picture 4" descr="Image result for github logo transparent"/>
+          <p:cNvPicPr>
+            <a:picLocks noChangeAspect="1" noChangeArrowheads="1"/>
+          </p:cNvPicPr>
+          <p:nvPr/>
+        </p:nvPicPr>
+        <p:blipFill>
+          <a:blip r:embed="rId4" cstate="print">
+            <a:extLst>
+              <a:ext uri="{28A0092B-C50C-407E-A947-70E740481C1C}">
+                <a14:useLocalDpi xmlns:a14="http://schemas.microsoft.com/office/drawing/2010/main" val="0"/>
+              </a:ext>
+            </a:extLst>
+          </a:blip>
+          <a:srcRect/>
+          <a:stretch>
+            <a:fillRect/>
+          </a:stretch>
+        </p:blipFill>
+        <p:spPr bwMode="auto">
+          <a:xfrm flipH="1">
+            <a:off x="382251" y="7319749"/>
+            <a:ext cx="225214" cy="220056"/>
+          </a:xfrm>
+          <a:prstGeom prst="rect">
+            <a:avLst/>
+          </a:prstGeom>
+          <a:noFill/>
+          <a:extLst>
+            <a:ext uri="{909E8E84-426E-40DD-AFC4-6F175D3DCCD1}">
+              <a14:hiddenFill xmlns:a14="http://schemas.microsoft.com/office/drawing/2010/main">
+                <a:solidFill>
+                  <a:srgbClr val="FFFFFF"/>
+                </a:solidFill>
+              </a14:hiddenFill>
+            </a:ext>
+          </a:extLst>
+        </p:spPr>
+      </p:pic>
+      <p:sp>
+        <p:nvSpPr>
+          <p:cNvPr id="24" name="TextBox 23"/>
+          <p:cNvSpPr txBox="1"/>
+          <p:nvPr/>
+        </p:nvSpPr>
+        <p:spPr>
+          <a:xfrm>
+            <a:off x="635688" y="7256573"/>
+            <a:ext cx="1008481" cy="307777"/>
+          </a:xfrm>
+          <a:prstGeom prst="rect">
+            <a:avLst/>
+          </a:prstGeom>
+          <a:ln>
+            <a:solidFill>
+              <a:schemeClr val="bg1"/>
+            </a:solidFill>
+          </a:ln>
+        </p:spPr>
+        <p:style>
+          <a:lnRef idx="2">
+            <a:schemeClr val="dk1"/>
+          </a:lnRef>
+          <a:fillRef idx="1">
+            <a:schemeClr val="lt1"/>
+          </a:fillRef>
+          <a:effectRef idx="0">
+            <a:schemeClr val="dk1"/>
+          </a:effectRef>
+          <a:fontRef idx="minor">
+            <a:schemeClr val="dk1"/>
+          </a:fontRef>
+        </p:style>
+        <p:txBody>
+          <a:bodyPr wrap="none" rtlCol="0">
+            <a:spAutoFit/>
+          </a:bodyPr>
+          <a:lstStyle/>
+          <a:p>
+            <a:r>
+              <a:rPr lang="en-CA" sz="1400" b="1" dirty="0" smtClean="0">
+                <a:latin typeface="Calibri" panose="020F0502020204030204" pitchFamily="34" charset="0"/>
+                <a:cs typeface="Calibri" panose="020F0502020204030204" pitchFamily="34" charset="0"/>
+              </a:rPr>
+              <a:t>/ jay2jaykp</a:t>
+            </a:r>
+            <a:endParaRPr lang="en-CA" sz="1400" b="1" dirty="0">
+              <a:latin typeface="Calibri" panose="020F0502020204030204" pitchFamily="34" charset="0"/>
+              <a:cs typeface="Calibri" panose="020F0502020204030204" pitchFamily="34" charset="0"/>
+            </a:endParaRPr>
+          </a:p>
+        </p:txBody>
+      </p:sp>
+      <p:sp>
+        <p:nvSpPr>
+          <p:cNvPr id="26" name="TextBox 25"/>
+          <p:cNvSpPr txBox="1"/>
+          <p:nvPr/>
+        </p:nvSpPr>
+        <p:spPr>
+          <a:xfrm>
+            <a:off x="635688" y="7672838"/>
+            <a:ext cx="1008481" cy="307777"/>
+          </a:xfrm>
+          <a:prstGeom prst="rect">
+            <a:avLst/>
+          </a:prstGeom>
+          <a:ln>
+            <a:solidFill>
+              <a:schemeClr val="bg1"/>
+            </a:solidFill>
+          </a:ln>
+        </p:spPr>
+        <p:style>
+          <a:lnRef idx="2">
+            <a:schemeClr val="dk1"/>
+          </a:lnRef>
+          <a:fillRef idx="1">
+            <a:schemeClr val="lt1"/>
+          </a:fillRef>
+          <a:effectRef idx="0">
+            <a:schemeClr val="dk1"/>
+          </a:effectRef>
+          <a:fontRef idx="minor">
+            <a:schemeClr val="dk1"/>
+          </a:fontRef>
+        </p:style>
+        <p:txBody>
+          <a:bodyPr wrap="none" rtlCol="0">
+            <a:spAutoFit/>
+          </a:bodyPr>
+          <a:lstStyle/>
+          <a:p>
+            <a:r>
+              <a:rPr lang="en-CA" sz="1400" b="1" dirty="0" smtClean="0">
+                <a:latin typeface="Calibri" panose="020F0502020204030204" pitchFamily="34" charset="0"/>
+                <a:cs typeface="Calibri" panose="020F0502020204030204" pitchFamily="34" charset="0"/>
+              </a:rPr>
+              <a:t>/ jay2jaykp</a:t>
+            </a:r>
+            <a:endParaRPr lang="en-CA" sz="1400" b="1" dirty="0">
+              <a:latin typeface="Calibri" panose="020F0502020204030204" pitchFamily="34" charset="0"/>
+              <a:cs typeface="Calibri" panose="020F0502020204030204" pitchFamily="34" charset="0"/>
+            </a:endParaRPr>
+          </a:p>
+        </p:txBody>
+      </p:sp>
+      <p:pic>
+        <p:nvPicPr>
+          <p:cNvPr id="1030" name="Picture 6" descr="Image result for twitter logo transparent"/>
+          <p:cNvPicPr>
+            <a:picLocks noChangeAspect="1" noChangeArrowheads="1"/>
+          </p:cNvPicPr>
+          <p:nvPr/>
+        </p:nvPicPr>
+        <p:blipFill rotWithShape="1">
+          <a:blip r:embed="rId5" cstate="print">
+            <a:extLst>
+              <a:ext uri="{28A0092B-C50C-407E-A947-70E740481C1C}">
+                <a14:useLocalDpi xmlns:a14="http://schemas.microsoft.com/office/drawing/2010/main" val="0"/>
+              </a:ext>
+            </a:extLst>
+          </a:blip>
+          <a:srcRect l="15724" t="19885" r="14326" b="21909"/>
+          <a:stretch/>
+        </p:blipFill>
+        <p:spPr bwMode="auto">
+          <a:xfrm>
+            <a:off x="359226" y="7725610"/>
+            <a:ext cx="276462" cy="230045"/>
+          </a:xfrm>
+          <a:prstGeom prst="rect">
+            <a:avLst/>
+          </a:prstGeom>
+          <a:noFill/>
+          <a:extLst>
+            <a:ext uri="{909E8E84-426E-40DD-AFC4-6F175D3DCCD1}">
+              <a14:hiddenFill xmlns:a14="http://schemas.microsoft.com/office/drawing/2010/main">
+                <a:solidFill>
+                  <a:srgbClr val="FFFFFF"/>
+                </a:solidFill>
+              </a14:hiddenFill>
+            </a:ext>
+          </a:extLst>
+        </p:spPr>
+      </p:pic>
     </p:spTree>
     <p:extLst>
       <p:ext uri="{BB962C8B-B14F-4D97-AF65-F5344CB8AC3E}">
